--- a/ppt 16-9/0686.灵里祷告.pptx
+++ b/ppt 16-9/0686.灵里祷告.pptx
@@ -5,7 +5,7 @@
     <p:sldMasterId id="2147483648" r:id="rId1"/>
   </p:sldMasterIdLst>
   <p:sldIdLst>
-    <p:sldId id="2497" r:id="rId2"/>
+    <p:sldId id="2498" r:id="rId2"/>
   </p:sldIdLst>
   <p:sldSz cx="12192000" cy="6858000"/>
   <p:notesSz cx="6858000" cy="9144000"/>
@@ -129,7 +129,7 @@
           <p:cNvPr id="2" name="标题 1">
             <a:extLst>
               <a:ext uri="{FF2B5EF4-FFF2-40B4-BE49-F238E27FC236}">
-                <a16:creationId xmlns:a16="http://schemas.microsoft.com/office/drawing/2014/main" id="{8BB0CA88-D8D5-4744-69A2-689F79463100}"/>
+                <a16:creationId xmlns:a16="http://schemas.microsoft.com/office/drawing/2014/main" id="{EBD0B883-CB28-99CD-C669-113D2E692DCB}"/>
               </a:ext>
             </a:extLst>
           </p:cNvPr>
@@ -166,7 +166,7 @@
           <p:cNvPr id="3" name="副标题 2">
             <a:extLst>
               <a:ext uri="{FF2B5EF4-FFF2-40B4-BE49-F238E27FC236}">
-                <a16:creationId xmlns:a16="http://schemas.microsoft.com/office/drawing/2014/main" id="{A1B23055-67C7-FBB9-D030-27DD31565C1E}"/>
+                <a16:creationId xmlns:a16="http://schemas.microsoft.com/office/drawing/2014/main" id="{92677396-D76A-5D1E-4147-964953C0FD41}"/>
               </a:ext>
             </a:extLst>
           </p:cNvPr>
@@ -236,7 +236,7 @@
           <p:cNvPr id="4" name="日期占位符 3">
             <a:extLst>
               <a:ext uri="{FF2B5EF4-FFF2-40B4-BE49-F238E27FC236}">
-                <a16:creationId xmlns:a16="http://schemas.microsoft.com/office/drawing/2014/main" id="{DFBE4244-3386-3C7C-C4F4-B58E031D0889}"/>
+                <a16:creationId xmlns:a16="http://schemas.microsoft.com/office/drawing/2014/main" id="{D61429C7-3697-86D0-A3B2-BF01031ECB44}"/>
               </a:ext>
             </a:extLst>
           </p:cNvPr>
@@ -252,7 +252,7 @@
           <a:bodyPr/>
           <a:lstStyle/>
           <a:p>
-            <a:fld id="{B8E817C8-E67A-40DB-83DF-CC8B0C28A045}" type="datetimeFigureOut">
+            <a:fld id="{41EB4362-4910-43F8-972A-04340F1615B3}" type="datetimeFigureOut">
               <a:rPr lang="zh-CN" altLang="en-US" smtClean="0"/>
               <a:t>2024/3/10</a:t>
             </a:fld>
@@ -265,7 +265,7 @@
           <p:cNvPr id="5" name="页脚占位符 4">
             <a:extLst>
               <a:ext uri="{FF2B5EF4-FFF2-40B4-BE49-F238E27FC236}">
-                <a16:creationId xmlns:a16="http://schemas.microsoft.com/office/drawing/2014/main" id="{651566C3-AB33-5F25-EB45-F25AEF28DEB8}"/>
+                <a16:creationId xmlns:a16="http://schemas.microsoft.com/office/drawing/2014/main" id="{F32092C7-D45C-1213-6033-1BCD9972DB1A}"/>
               </a:ext>
             </a:extLst>
           </p:cNvPr>
@@ -290,7 +290,7 @@
           <p:cNvPr id="6" name="灯片编号占位符 5">
             <a:extLst>
               <a:ext uri="{FF2B5EF4-FFF2-40B4-BE49-F238E27FC236}">
-                <a16:creationId xmlns:a16="http://schemas.microsoft.com/office/drawing/2014/main" id="{38DB31B6-618A-D45C-A2A0-CDE37D5EB780}"/>
+                <a16:creationId xmlns:a16="http://schemas.microsoft.com/office/drawing/2014/main" id="{3A69AA68-FD29-153C-056B-0F36CC3C4877}"/>
               </a:ext>
             </a:extLst>
           </p:cNvPr>
@@ -306,7 +306,7 @@
           <a:bodyPr/>
           <a:lstStyle/>
           <a:p>
-            <a:fld id="{C3B4ECF3-0565-40DD-A0B6-CC758B6C4532}" type="slidenum">
+            <a:fld id="{323C9697-9A9D-4121-9ADA-B487949BF27A}" type="slidenum">
               <a:rPr lang="zh-CN" altLang="en-US" smtClean="0"/>
               <a:t>‹#›</a:t>
             </a:fld>
@@ -317,7 +317,7 @@
     </p:spTree>
     <p:extLst>
       <p:ext uri="{BB962C8B-B14F-4D97-AF65-F5344CB8AC3E}">
-        <p14:creationId xmlns:p14="http://schemas.microsoft.com/office/powerpoint/2010/main" val="235230601"/>
+        <p14:creationId xmlns:p14="http://schemas.microsoft.com/office/powerpoint/2010/main" val="2687676740"/>
       </p:ext>
     </p:extLst>
   </p:cSld>
@@ -349,7 +349,7 @@
           <p:cNvPr id="2" name="标题 1">
             <a:extLst>
               <a:ext uri="{FF2B5EF4-FFF2-40B4-BE49-F238E27FC236}">
-                <a16:creationId xmlns:a16="http://schemas.microsoft.com/office/drawing/2014/main" id="{BCA79E44-12FB-8ADE-865B-6FC9D2E9D617}"/>
+                <a16:creationId xmlns:a16="http://schemas.microsoft.com/office/drawing/2014/main" id="{253C2166-9171-4B4B-6683-A92F4B809D0A}"/>
               </a:ext>
             </a:extLst>
           </p:cNvPr>
@@ -377,7 +377,7 @@
           <p:cNvPr id="3" name="竖排文字占位符 2">
             <a:extLst>
               <a:ext uri="{FF2B5EF4-FFF2-40B4-BE49-F238E27FC236}">
-                <a16:creationId xmlns:a16="http://schemas.microsoft.com/office/drawing/2014/main" id="{CA75F4E6-04FA-459B-0031-FC1C6276E561}"/>
+                <a16:creationId xmlns:a16="http://schemas.microsoft.com/office/drawing/2014/main" id="{30370056-F906-B337-3F40-A55B8C6BAECB}"/>
               </a:ext>
             </a:extLst>
           </p:cNvPr>
@@ -434,7 +434,7 @@
           <p:cNvPr id="4" name="日期占位符 3">
             <a:extLst>
               <a:ext uri="{FF2B5EF4-FFF2-40B4-BE49-F238E27FC236}">
-                <a16:creationId xmlns:a16="http://schemas.microsoft.com/office/drawing/2014/main" id="{0813F019-6986-8198-BC14-476134AFBD21}"/>
+                <a16:creationId xmlns:a16="http://schemas.microsoft.com/office/drawing/2014/main" id="{7DDF0626-DFB0-03FC-46FE-B2D931703A17}"/>
               </a:ext>
             </a:extLst>
           </p:cNvPr>
@@ -450,7 +450,7 @@
           <a:bodyPr/>
           <a:lstStyle/>
           <a:p>
-            <a:fld id="{B8E817C8-E67A-40DB-83DF-CC8B0C28A045}" type="datetimeFigureOut">
+            <a:fld id="{41EB4362-4910-43F8-972A-04340F1615B3}" type="datetimeFigureOut">
               <a:rPr lang="zh-CN" altLang="en-US" smtClean="0"/>
               <a:t>2024/3/10</a:t>
             </a:fld>
@@ -463,7 +463,7 @@
           <p:cNvPr id="5" name="页脚占位符 4">
             <a:extLst>
               <a:ext uri="{FF2B5EF4-FFF2-40B4-BE49-F238E27FC236}">
-                <a16:creationId xmlns:a16="http://schemas.microsoft.com/office/drawing/2014/main" id="{FA3F8EB0-AA52-34CC-E1D5-E305BDB68C12}"/>
+                <a16:creationId xmlns:a16="http://schemas.microsoft.com/office/drawing/2014/main" id="{ADF1CA50-E40A-F1C6-FFDD-CF34F598816A}"/>
               </a:ext>
             </a:extLst>
           </p:cNvPr>
@@ -488,7 +488,7 @@
           <p:cNvPr id="6" name="灯片编号占位符 5">
             <a:extLst>
               <a:ext uri="{FF2B5EF4-FFF2-40B4-BE49-F238E27FC236}">
-                <a16:creationId xmlns:a16="http://schemas.microsoft.com/office/drawing/2014/main" id="{BA8BE34D-790E-AF7A-790F-13F30DC4BAB7}"/>
+                <a16:creationId xmlns:a16="http://schemas.microsoft.com/office/drawing/2014/main" id="{818BA802-138F-DCD1-1623-48474EBDB010}"/>
               </a:ext>
             </a:extLst>
           </p:cNvPr>
@@ -504,7 +504,7 @@
           <a:bodyPr/>
           <a:lstStyle/>
           <a:p>
-            <a:fld id="{C3B4ECF3-0565-40DD-A0B6-CC758B6C4532}" type="slidenum">
+            <a:fld id="{323C9697-9A9D-4121-9ADA-B487949BF27A}" type="slidenum">
               <a:rPr lang="zh-CN" altLang="en-US" smtClean="0"/>
               <a:t>‹#›</a:t>
             </a:fld>
@@ -515,7 +515,7 @@
     </p:spTree>
     <p:extLst>
       <p:ext uri="{BB962C8B-B14F-4D97-AF65-F5344CB8AC3E}">
-        <p14:creationId xmlns:p14="http://schemas.microsoft.com/office/powerpoint/2010/main" val="1736708442"/>
+        <p14:creationId xmlns:p14="http://schemas.microsoft.com/office/powerpoint/2010/main" val="278723592"/>
       </p:ext>
     </p:extLst>
   </p:cSld>
@@ -547,7 +547,7 @@
           <p:cNvPr id="2" name="竖排标题 1">
             <a:extLst>
               <a:ext uri="{FF2B5EF4-FFF2-40B4-BE49-F238E27FC236}">
-                <a16:creationId xmlns:a16="http://schemas.microsoft.com/office/drawing/2014/main" id="{680B506C-A85B-5E14-D3A6-0454C1384425}"/>
+                <a16:creationId xmlns:a16="http://schemas.microsoft.com/office/drawing/2014/main" id="{1847EA91-C1B3-A947-8A1D-0B42E3EC6748}"/>
               </a:ext>
             </a:extLst>
           </p:cNvPr>
@@ -580,7 +580,7 @@
           <p:cNvPr id="3" name="竖排文字占位符 2">
             <a:extLst>
               <a:ext uri="{FF2B5EF4-FFF2-40B4-BE49-F238E27FC236}">
-                <a16:creationId xmlns:a16="http://schemas.microsoft.com/office/drawing/2014/main" id="{97FD99D3-3A2B-02C3-1740-C15E79411C22}"/>
+                <a16:creationId xmlns:a16="http://schemas.microsoft.com/office/drawing/2014/main" id="{DCEE1D7E-52DF-754C-6D3D-751E27D7B3C1}"/>
               </a:ext>
             </a:extLst>
           </p:cNvPr>
@@ -642,7 +642,7 @@
           <p:cNvPr id="4" name="日期占位符 3">
             <a:extLst>
               <a:ext uri="{FF2B5EF4-FFF2-40B4-BE49-F238E27FC236}">
-                <a16:creationId xmlns:a16="http://schemas.microsoft.com/office/drawing/2014/main" id="{AF14F012-E9BF-9C42-761E-67F8F941EF50}"/>
+                <a16:creationId xmlns:a16="http://schemas.microsoft.com/office/drawing/2014/main" id="{0C280D85-EC8E-8BD0-7E6F-55B85769796F}"/>
               </a:ext>
             </a:extLst>
           </p:cNvPr>
@@ -658,7 +658,7 @@
           <a:bodyPr/>
           <a:lstStyle/>
           <a:p>
-            <a:fld id="{B8E817C8-E67A-40DB-83DF-CC8B0C28A045}" type="datetimeFigureOut">
+            <a:fld id="{41EB4362-4910-43F8-972A-04340F1615B3}" type="datetimeFigureOut">
               <a:rPr lang="zh-CN" altLang="en-US" smtClean="0"/>
               <a:t>2024/3/10</a:t>
             </a:fld>
@@ -671,7 +671,7 @@
           <p:cNvPr id="5" name="页脚占位符 4">
             <a:extLst>
               <a:ext uri="{FF2B5EF4-FFF2-40B4-BE49-F238E27FC236}">
-                <a16:creationId xmlns:a16="http://schemas.microsoft.com/office/drawing/2014/main" id="{27D177D9-CB44-5397-6B29-CE4663E4229F}"/>
+                <a16:creationId xmlns:a16="http://schemas.microsoft.com/office/drawing/2014/main" id="{A78FD14E-4E7D-5E2B-1E6E-F76F31CFEFB4}"/>
               </a:ext>
             </a:extLst>
           </p:cNvPr>
@@ -696,7 +696,7 @@
           <p:cNvPr id="6" name="灯片编号占位符 5">
             <a:extLst>
               <a:ext uri="{FF2B5EF4-FFF2-40B4-BE49-F238E27FC236}">
-                <a16:creationId xmlns:a16="http://schemas.microsoft.com/office/drawing/2014/main" id="{1B72B4E9-B131-DB62-3850-451739655CB6}"/>
+                <a16:creationId xmlns:a16="http://schemas.microsoft.com/office/drawing/2014/main" id="{3AAAF181-3F92-B195-1C25-B4B1BF7D9D70}"/>
               </a:ext>
             </a:extLst>
           </p:cNvPr>
@@ -712,7 +712,7 @@
           <a:bodyPr/>
           <a:lstStyle/>
           <a:p>
-            <a:fld id="{C3B4ECF3-0565-40DD-A0B6-CC758B6C4532}" type="slidenum">
+            <a:fld id="{323C9697-9A9D-4121-9ADA-B487949BF27A}" type="slidenum">
               <a:rPr lang="zh-CN" altLang="en-US" smtClean="0"/>
               <a:t>‹#›</a:t>
             </a:fld>
@@ -723,7 +723,7 @@
     </p:spTree>
     <p:extLst>
       <p:ext uri="{BB962C8B-B14F-4D97-AF65-F5344CB8AC3E}">
-        <p14:creationId xmlns:p14="http://schemas.microsoft.com/office/powerpoint/2010/main" val="196133866"/>
+        <p14:creationId xmlns:p14="http://schemas.microsoft.com/office/powerpoint/2010/main" val="2550250402"/>
       </p:ext>
     </p:extLst>
   </p:cSld>
@@ -755,7 +755,7 @@
           <p:cNvPr id="2" name="标题 1">
             <a:extLst>
               <a:ext uri="{FF2B5EF4-FFF2-40B4-BE49-F238E27FC236}">
-                <a16:creationId xmlns:a16="http://schemas.microsoft.com/office/drawing/2014/main" id="{FCCAFC43-4275-F6C4-18F1-F5F797F1480E}"/>
+                <a16:creationId xmlns:a16="http://schemas.microsoft.com/office/drawing/2014/main" id="{798D0376-6642-A362-106D-1E780C9AE970}"/>
               </a:ext>
             </a:extLst>
           </p:cNvPr>
@@ -783,7 +783,7 @@
           <p:cNvPr id="3" name="内容占位符 2">
             <a:extLst>
               <a:ext uri="{FF2B5EF4-FFF2-40B4-BE49-F238E27FC236}">
-                <a16:creationId xmlns:a16="http://schemas.microsoft.com/office/drawing/2014/main" id="{DFDB682D-D603-8A78-9B4C-28B87D9D40A5}"/>
+                <a16:creationId xmlns:a16="http://schemas.microsoft.com/office/drawing/2014/main" id="{7552F8A8-CC26-C9FB-4EA9-6962BA9252B9}"/>
               </a:ext>
             </a:extLst>
           </p:cNvPr>
@@ -840,7 +840,7 @@
           <p:cNvPr id="4" name="日期占位符 3">
             <a:extLst>
               <a:ext uri="{FF2B5EF4-FFF2-40B4-BE49-F238E27FC236}">
-                <a16:creationId xmlns:a16="http://schemas.microsoft.com/office/drawing/2014/main" id="{290D96BA-B0FD-A58F-B3D6-38EA1503EB4E}"/>
+                <a16:creationId xmlns:a16="http://schemas.microsoft.com/office/drawing/2014/main" id="{F48F9E91-9DFD-3256-1C8F-CC192A3D502F}"/>
               </a:ext>
             </a:extLst>
           </p:cNvPr>
@@ -856,7 +856,7 @@
           <a:bodyPr/>
           <a:lstStyle/>
           <a:p>
-            <a:fld id="{B8E817C8-E67A-40DB-83DF-CC8B0C28A045}" type="datetimeFigureOut">
+            <a:fld id="{41EB4362-4910-43F8-972A-04340F1615B3}" type="datetimeFigureOut">
               <a:rPr lang="zh-CN" altLang="en-US" smtClean="0"/>
               <a:t>2024/3/10</a:t>
             </a:fld>
@@ -869,7 +869,7 @@
           <p:cNvPr id="5" name="页脚占位符 4">
             <a:extLst>
               <a:ext uri="{FF2B5EF4-FFF2-40B4-BE49-F238E27FC236}">
-                <a16:creationId xmlns:a16="http://schemas.microsoft.com/office/drawing/2014/main" id="{B3FE306B-3619-78A6-0A33-137C50FCBC7E}"/>
+                <a16:creationId xmlns:a16="http://schemas.microsoft.com/office/drawing/2014/main" id="{1CF6C143-C48D-95F0-C15B-A982B7F7879C}"/>
               </a:ext>
             </a:extLst>
           </p:cNvPr>
@@ -894,7 +894,7 @@
           <p:cNvPr id="6" name="灯片编号占位符 5">
             <a:extLst>
               <a:ext uri="{FF2B5EF4-FFF2-40B4-BE49-F238E27FC236}">
-                <a16:creationId xmlns:a16="http://schemas.microsoft.com/office/drawing/2014/main" id="{C5160A28-C2EA-3706-9BE0-2B3A0068907F}"/>
+                <a16:creationId xmlns:a16="http://schemas.microsoft.com/office/drawing/2014/main" id="{84765DAD-9F70-7D8B-8D97-3403F78483C1}"/>
               </a:ext>
             </a:extLst>
           </p:cNvPr>
@@ -910,7 +910,7 @@
           <a:bodyPr/>
           <a:lstStyle/>
           <a:p>
-            <a:fld id="{C3B4ECF3-0565-40DD-A0B6-CC758B6C4532}" type="slidenum">
+            <a:fld id="{323C9697-9A9D-4121-9ADA-B487949BF27A}" type="slidenum">
               <a:rPr lang="zh-CN" altLang="en-US" smtClean="0"/>
               <a:t>‹#›</a:t>
             </a:fld>
@@ -921,7 +921,7 @@
     </p:spTree>
     <p:extLst>
       <p:ext uri="{BB962C8B-B14F-4D97-AF65-F5344CB8AC3E}">
-        <p14:creationId xmlns:p14="http://schemas.microsoft.com/office/powerpoint/2010/main" val="1664511817"/>
+        <p14:creationId xmlns:p14="http://schemas.microsoft.com/office/powerpoint/2010/main" val="300331817"/>
       </p:ext>
     </p:extLst>
   </p:cSld>
@@ -953,7 +953,7 @@
           <p:cNvPr id="2" name="标题 1">
             <a:extLst>
               <a:ext uri="{FF2B5EF4-FFF2-40B4-BE49-F238E27FC236}">
-                <a16:creationId xmlns:a16="http://schemas.microsoft.com/office/drawing/2014/main" id="{5E15BC2F-C3D1-A15A-8697-E65B3C740E04}"/>
+                <a16:creationId xmlns:a16="http://schemas.microsoft.com/office/drawing/2014/main" id="{191676E0-1A2F-015A-A6F5-1D8FAA3D810B}"/>
               </a:ext>
             </a:extLst>
           </p:cNvPr>
@@ -990,7 +990,7 @@
           <p:cNvPr id="3" name="文本占位符 2">
             <a:extLst>
               <a:ext uri="{FF2B5EF4-FFF2-40B4-BE49-F238E27FC236}">
-                <a16:creationId xmlns:a16="http://schemas.microsoft.com/office/drawing/2014/main" id="{07F3E19A-A8B6-A62E-E486-CF623DE327E8}"/>
+                <a16:creationId xmlns:a16="http://schemas.microsoft.com/office/drawing/2014/main" id="{92E37AC2-F9A5-87FA-B842-31535332515B}"/>
               </a:ext>
             </a:extLst>
           </p:cNvPr>
@@ -1115,7 +1115,7 @@
           <p:cNvPr id="4" name="日期占位符 3">
             <a:extLst>
               <a:ext uri="{FF2B5EF4-FFF2-40B4-BE49-F238E27FC236}">
-                <a16:creationId xmlns:a16="http://schemas.microsoft.com/office/drawing/2014/main" id="{6270CF65-C67E-C889-C52B-C2B56408E774}"/>
+                <a16:creationId xmlns:a16="http://schemas.microsoft.com/office/drawing/2014/main" id="{5B3B72AD-8E6E-032B-12B7-BC468C4D3161}"/>
               </a:ext>
             </a:extLst>
           </p:cNvPr>
@@ -1131,7 +1131,7 @@
           <a:bodyPr/>
           <a:lstStyle/>
           <a:p>
-            <a:fld id="{B8E817C8-E67A-40DB-83DF-CC8B0C28A045}" type="datetimeFigureOut">
+            <a:fld id="{41EB4362-4910-43F8-972A-04340F1615B3}" type="datetimeFigureOut">
               <a:rPr lang="zh-CN" altLang="en-US" smtClean="0"/>
               <a:t>2024/3/10</a:t>
             </a:fld>
@@ -1144,7 +1144,7 @@
           <p:cNvPr id="5" name="页脚占位符 4">
             <a:extLst>
               <a:ext uri="{FF2B5EF4-FFF2-40B4-BE49-F238E27FC236}">
-                <a16:creationId xmlns:a16="http://schemas.microsoft.com/office/drawing/2014/main" id="{043CBA0D-6F17-571E-32F7-20B4A8CB404D}"/>
+                <a16:creationId xmlns:a16="http://schemas.microsoft.com/office/drawing/2014/main" id="{93A739FD-8E3A-1178-FE1F-796114DF970F}"/>
               </a:ext>
             </a:extLst>
           </p:cNvPr>
@@ -1169,7 +1169,7 @@
           <p:cNvPr id="6" name="灯片编号占位符 5">
             <a:extLst>
               <a:ext uri="{FF2B5EF4-FFF2-40B4-BE49-F238E27FC236}">
-                <a16:creationId xmlns:a16="http://schemas.microsoft.com/office/drawing/2014/main" id="{9552F232-B26C-67B6-7EEE-55BA40FA680A}"/>
+                <a16:creationId xmlns:a16="http://schemas.microsoft.com/office/drawing/2014/main" id="{AC8C2B72-E35F-4F61-67AE-92E597BAE608}"/>
               </a:ext>
             </a:extLst>
           </p:cNvPr>
@@ -1185,7 +1185,7 @@
           <a:bodyPr/>
           <a:lstStyle/>
           <a:p>
-            <a:fld id="{C3B4ECF3-0565-40DD-A0B6-CC758B6C4532}" type="slidenum">
+            <a:fld id="{323C9697-9A9D-4121-9ADA-B487949BF27A}" type="slidenum">
               <a:rPr lang="zh-CN" altLang="en-US" smtClean="0"/>
               <a:t>‹#›</a:t>
             </a:fld>
@@ -1196,7 +1196,7 @@
     </p:spTree>
     <p:extLst>
       <p:ext uri="{BB962C8B-B14F-4D97-AF65-F5344CB8AC3E}">
-        <p14:creationId xmlns:p14="http://schemas.microsoft.com/office/powerpoint/2010/main" val="4095116865"/>
+        <p14:creationId xmlns:p14="http://schemas.microsoft.com/office/powerpoint/2010/main" val="1076426381"/>
       </p:ext>
     </p:extLst>
   </p:cSld>
@@ -1228,7 +1228,7 @@
           <p:cNvPr id="2" name="标题 1">
             <a:extLst>
               <a:ext uri="{FF2B5EF4-FFF2-40B4-BE49-F238E27FC236}">
-                <a16:creationId xmlns:a16="http://schemas.microsoft.com/office/drawing/2014/main" id="{FD7CF13C-A6FB-F2B1-9590-A93A79E3D449}"/>
+                <a16:creationId xmlns:a16="http://schemas.microsoft.com/office/drawing/2014/main" id="{7972B0F0-1BF5-9445-B3E1-3E642CF094BB}"/>
               </a:ext>
             </a:extLst>
           </p:cNvPr>
@@ -1256,7 +1256,7 @@
           <p:cNvPr id="3" name="内容占位符 2">
             <a:extLst>
               <a:ext uri="{FF2B5EF4-FFF2-40B4-BE49-F238E27FC236}">
-                <a16:creationId xmlns:a16="http://schemas.microsoft.com/office/drawing/2014/main" id="{18AEC92A-D33A-A8EA-431F-113FF7F11A7B}"/>
+                <a16:creationId xmlns:a16="http://schemas.microsoft.com/office/drawing/2014/main" id="{FE6BE009-6E62-BC3D-74A3-B6AC8049370F}"/>
               </a:ext>
             </a:extLst>
           </p:cNvPr>
@@ -1318,7 +1318,7 @@
           <p:cNvPr id="4" name="内容占位符 3">
             <a:extLst>
               <a:ext uri="{FF2B5EF4-FFF2-40B4-BE49-F238E27FC236}">
-                <a16:creationId xmlns:a16="http://schemas.microsoft.com/office/drawing/2014/main" id="{A599042A-CAAD-529F-108C-3B4C791E3B09}"/>
+                <a16:creationId xmlns:a16="http://schemas.microsoft.com/office/drawing/2014/main" id="{6631F9CF-079A-4B96-9182-5182123A8086}"/>
               </a:ext>
             </a:extLst>
           </p:cNvPr>
@@ -1380,7 +1380,7 @@
           <p:cNvPr id="5" name="日期占位符 4">
             <a:extLst>
               <a:ext uri="{FF2B5EF4-FFF2-40B4-BE49-F238E27FC236}">
-                <a16:creationId xmlns:a16="http://schemas.microsoft.com/office/drawing/2014/main" id="{4FFC40AF-EEC6-B0CC-3D13-70C2F581654B}"/>
+                <a16:creationId xmlns:a16="http://schemas.microsoft.com/office/drawing/2014/main" id="{4AAEB2C6-F681-3C1F-410B-027C37155269}"/>
               </a:ext>
             </a:extLst>
           </p:cNvPr>
@@ -1396,7 +1396,7 @@
           <a:bodyPr/>
           <a:lstStyle/>
           <a:p>
-            <a:fld id="{B8E817C8-E67A-40DB-83DF-CC8B0C28A045}" type="datetimeFigureOut">
+            <a:fld id="{41EB4362-4910-43F8-972A-04340F1615B3}" type="datetimeFigureOut">
               <a:rPr lang="zh-CN" altLang="en-US" smtClean="0"/>
               <a:t>2024/3/10</a:t>
             </a:fld>
@@ -1409,7 +1409,7 @@
           <p:cNvPr id="6" name="页脚占位符 5">
             <a:extLst>
               <a:ext uri="{FF2B5EF4-FFF2-40B4-BE49-F238E27FC236}">
-                <a16:creationId xmlns:a16="http://schemas.microsoft.com/office/drawing/2014/main" id="{61A8BCBD-883F-7641-AE06-051CFE48B61D}"/>
+                <a16:creationId xmlns:a16="http://schemas.microsoft.com/office/drawing/2014/main" id="{F47D00A7-C50C-9A31-130C-5529F0BBB6BA}"/>
               </a:ext>
             </a:extLst>
           </p:cNvPr>
@@ -1434,7 +1434,7 @@
           <p:cNvPr id="7" name="灯片编号占位符 6">
             <a:extLst>
               <a:ext uri="{FF2B5EF4-FFF2-40B4-BE49-F238E27FC236}">
-                <a16:creationId xmlns:a16="http://schemas.microsoft.com/office/drawing/2014/main" id="{BE8A3F2A-FECF-E521-0B45-0094815E534B}"/>
+                <a16:creationId xmlns:a16="http://schemas.microsoft.com/office/drawing/2014/main" id="{BFEE74C1-71CD-2DB3-6D04-878354735789}"/>
               </a:ext>
             </a:extLst>
           </p:cNvPr>
@@ -1450,7 +1450,7 @@
           <a:bodyPr/>
           <a:lstStyle/>
           <a:p>
-            <a:fld id="{C3B4ECF3-0565-40DD-A0B6-CC758B6C4532}" type="slidenum">
+            <a:fld id="{323C9697-9A9D-4121-9ADA-B487949BF27A}" type="slidenum">
               <a:rPr lang="zh-CN" altLang="en-US" smtClean="0"/>
               <a:t>‹#›</a:t>
             </a:fld>
@@ -1461,7 +1461,7 @@
     </p:spTree>
     <p:extLst>
       <p:ext uri="{BB962C8B-B14F-4D97-AF65-F5344CB8AC3E}">
-        <p14:creationId xmlns:p14="http://schemas.microsoft.com/office/powerpoint/2010/main" val="3844215817"/>
+        <p14:creationId xmlns:p14="http://schemas.microsoft.com/office/powerpoint/2010/main" val="3618805387"/>
       </p:ext>
     </p:extLst>
   </p:cSld>
@@ -1493,7 +1493,7 @@
           <p:cNvPr id="2" name="标题 1">
             <a:extLst>
               <a:ext uri="{FF2B5EF4-FFF2-40B4-BE49-F238E27FC236}">
-                <a16:creationId xmlns:a16="http://schemas.microsoft.com/office/drawing/2014/main" id="{65D9B03C-CDD9-D16E-38D8-F060FD340541}"/>
+                <a16:creationId xmlns:a16="http://schemas.microsoft.com/office/drawing/2014/main" id="{6ABAE3D8-F738-1DEA-D29B-0EA52C170F0C}"/>
               </a:ext>
             </a:extLst>
           </p:cNvPr>
@@ -1526,7 +1526,7 @@
           <p:cNvPr id="3" name="文本占位符 2">
             <a:extLst>
               <a:ext uri="{FF2B5EF4-FFF2-40B4-BE49-F238E27FC236}">
-                <a16:creationId xmlns:a16="http://schemas.microsoft.com/office/drawing/2014/main" id="{F44927A6-C638-19F2-1509-FAD34604B1DE}"/>
+                <a16:creationId xmlns:a16="http://schemas.microsoft.com/office/drawing/2014/main" id="{7A7BB69E-1BC9-F546-590E-09379B2DB05E}"/>
               </a:ext>
             </a:extLst>
           </p:cNvPr>
@@ -1597,7 +1597,7 @@
           <p:cNvPr id="4" name="内容占位符 3">
             <a:extLst>
               <a:ext uri="{FF2B5EF4-FFF2-40B4-BE49-F238E27FC236}">
-                <a16:creationId xmlns:a16="http://schemas.microsoft.com/office/drawing/2014/main" id="{9CA1B154-11EA-2DF5-42C6-BC9534C974E9}"/>
+                <a16:creationId xmlns:a16="http://schemas.microsoft.com/office/drawing/2014/main" id="{3B0A9122-0628-32E4-4694-6A966E5EC214}"/>
               </a:ext>
             </a:extLst>
           </p:cNvPr>
@@ -1659,7 +1659,7 @@
           <p:cNvPr id="5" name="文本占位符 4">
             <a:extLst>
               <a:ext uri="{FF2B5EF4-FFF2-40B4-BE49-F238E27FC236}">
-                <a16:creationId xmlns:a16="http://schemas.microsoft.com/office/drawing/2014/main" id="{3EBC5299-7CFE-E027-C66C-2D2835534389}"/>
+                <a16:creationId xmlns:a16="http://schemas.microsoft.com/office/drawing/2014/main" id="{7B0A6571-5841-DB9C-22A0-7C7AA198C1B7}"/>
               </a:ext>
             </a:extLst>
           </p:cNvPr>
@@ -1730,7 +1730,7 @@
           <p:cNvPr id="6" name="内容占位符 5">
             <a:extLst>
               <a:ext uri="{FF2B5EF4-FFF2-40B4-BE49-F238E27FC236}">
-                <a16:creationId xmlns:a16="http://schemas.microsoft.com/office/drawing/2014/main" id="{5A4536CC-0D59-7EEF-8CFC-70F0C5F670B2}"/>
+                <a16:creationId xmlns:a16="http://schemas.microsoft.com/office/drawing/2014/main" id="{AC407324-CBBC-574C-FB82-E8E80C9AFBAC}"/>
               </a:ext>
             </a:extLst>
           </p:cNvPr>
@@ -1792,7 +1792,7 @@
           <p:cNvPr id="7" name="日期占位符 6">
             <a:extLst>
               <a:ext uri="{FF2B5EF4-FFF2-40B4-BE49-F238E27FC236}">
-                <a16:creationId xmlns:a16="http://schemas.microsoft.com/office/drawing/2014/main" id="{B11B0809-76E4-8384-20DE-8AF0069E8B7C}"/>
+                <a16:creationId xmlns:a16="http://schemas.microsoft.com/office/drawing/2014/main" id="{8B8A4D9B-7C77-65A2-88E5-9822031B0168}"/>
               </a:ext>
             </a:extLst>
           </p:cNvPr>
@@ -1808,7 +1808,7 @@
           <a:bodyPr/>
           <a:lstStyle/>
           <a:p>
-            <a:fld id="{B8E817C8-E67A-40DB-83DF-CC8B0C28A045}" type="datetimeFigureOut">
+            <a:fld id="{41EB4362-4910-43F8-972A-04340F1615B3}" type="datetimeFigureOut">
               <a:rPr lang="zh-CN" altLang="en-US" smtClean="0"/>
               <a:t>2024/3/10</a:t>
             </a:fld>
@@ -1821,7 +1821,7 @@
           <p:cNvPr id="8" name="页脚占位符 7">
             <a:extLst>
               <a:ext uri="{FF2B5EF4-FFF2-40B4-BE49-F238E27FC236}">
-                <a16:creationId xmlns:a16="http://schemas.microsoft.com/office/drawing/2014/main" id="{E9216D23-FF4F-EFCE-B1F2-BF7F2ADC61C4}"/>
+                <a16:creationId xmlns:a16="http://schemas.microsoft.com/office/drawing/2014/main" id="{5CA06EBC-9043-E31C-860A-A0D0C19EAB47}"/>
               </a:ext>
             </a:extLst>
           </p:cNvPr>
@@ -1846,7 +1846,7 @@
           <p:cNvPr id="9" name="灯片编号占位符 8">
             <a:extLst>
               <a:ext uri="{FF2B5EF4-FFF2-40B4-BE49-F238E27FC236}">
-                <a16:creationId xmlns:a16="http://schemas.microsoft.com/office/drawing/2014/main" id="{E51B8AEF-8440-CAED-EBF3-7904B1AAE8E4}"/>
+                <a16:creationId xmlns:a16="http://schemas.microsoft.com/office/drawing/2014/main" id="{48740F4D-F151-9AB4-41C1-97EE894EFF18}"/>
               </a:ext>
             </a:extLst>
           </p:cNvPr>
@@ -1862,7 +1862,7 @@
           <a:bodyPr/>
           <a:lstStyle/>
           <a:p>
-            <a:fld id="{C3B4ECF3-0565-40DD-A0B6-CC758B6C4532}" type="slidenum">
+            <a:fld id="{323C9697-9A9D-4121-9ADA-B487949BF27A}" type="slidenum">
               <a:rPr lang="zh-CN" altLang="en-US" smtClean="0"/>
               <a:t>‹#›</a:t>
             </a:fld>
@@ -1873,7 +1873,7 @@
     </p:spTree>
     <p:extLst>
       <p:ext uri="{BB962C8B-B14F-4D97-AF65-F5344CB8AC3E}">
-        <p14:creationId xmlns:p14="http://schemas.microsoft.com/office/powerpoint/2010/main" val="3600631551"/>
+        <p14:creationId xmlns:p14="http://schemas.microsoft.com/office/powerpoint/2010/main" val="1407413415"/>
       </p:ext>
     </p:extLst>
   </p:cSld>
@@ -1905,7 +1905,7 @@
           <p:cNvPr id="2" name="标题 1">
             <a:extLst>
               <a:ext uri="{FF2B5EF4-FFF2-40B4-BE49-F238E27FC236}">
-                <a16:creationId xmlns:a16="http://schemas.microsoft.com/office/drawing/2014/main" id="{AC324D06-1A7A-4BA7-A1D7-9BEED2250A89}"/>
+                <a16:creationId xmlns:a16="http://schemas.microsoft.com/office/drawing/2014/main" id="{707B84FE-FF7A-78A9-7240-66636C0E7EBA}"/>
               </a:ext>
             </a:extLst>
           </p:cNvPr>
@@ -1933,7 +1933,7 @@
           <p:cNvPr id="3" name="日期占位符 2">
             <a:extLst>
               <a:ext uri="{FF2B5EF4-FFF2-40B4-BE49-F238E27FC236}">
-                <a16:creationId xmlns:a16="http://schemas.microsoft.com/office/drawing/2014/main" id="{D3A59D8E-E401-AAB4-468C-E7B8902017AF}"/>
+                <a16:creationId xmlns:a16="http://schemas.microsoft.com/office/drawing/2014/main" id="{E6DEE8A4-BBFC-5FB5-DEF0-26DBFDF612EF}"/>
               </a:ext>
             </a:extLst>
           </p:cNvPr>
@@ -1949,7 +1949,7 @@
           <a:bodyPr/>
           <a:lstStyle/>
           <a:p>
-            <a:fld id="{B8E817C8-E67A-40DB-83DF-CC8B0C28A045}" type="datetimeFigureOut">
+            <a:fld id="{41EB4362-4910-43F8-972A-04340F1615B3}" type="datetimeFigureOut">
               <a:rPr lang="zh-CN" altLang="en-US" smtClean="0"/>
               <a:t>2024/3/10</a:t>
             </a:fld>
@@ -1962,7 +1962,7 @@
           <p:cNvPr id="4" name="页脚占位符 3">
             <a:extLst>
               <a:ext uri="{FF2B5EF4-FFF2-40B4-BE49-F238E27FC236}">
-                <a16:creationId xmlns:a16="http://schemas.microsoft.com/office/drawing/2014/main" id="{C8CF6D39-B4A7-A5CD-C673-86BD5668E449}"/>
+                <a16:creationId xmlns:a16="http://schemas.microsoft.com/office/drawing/2014/main" id="{3EBABF7A-C92A-AA51-B267-9BE7B63CC1D1}"/>
               </a:ext>
             </a:extLst>
           </p:cNvPr>
@@ -1987,7 +1987,7 @@
           <p:cNvPr id="5" name="灯片编号占位符 4">
             <a:extLst>
               <a:ext uri="{FF2B5EF4-FFF2-40B4-BE49-F238E27FC236}">
-                <a16:creationId xmlns:a16="http://schemas.microsoft.com/office/drawing/2014/main" id="{0BD36295-66AC-8576-BEEF-4C6C2B128827}"/>
+                <a16:creationId xmlns:a16="http://schemas.microsoft.com/office/drawing/2014/main" id="{CFE1E584-7027-A3A1-C93F-1B37C3E90C70}"/>
               </a:ext>
             </a:extLst>
           </p:cNvPr>
@@ -2003,7 +2003,7 @@
           <a:bodyPr/>
           <a:lstStyle/>
           <a:p>
-            <a:fld id="{C3B4ECF3-0565-40DD-A0B6-CC758B6C4532}" type="slidenum">
+            <a:fld id="{323C9697-9A9D-4121-9ADA-B487949BF27A}" type="slidenum">
               <a:rPr lang="zh-CN" altLang="en-US" smtClean="0"/>
               <a:t>‹#›</a:t>
             </a:fld>
@@ -2014,7 +2014,7 @@
     </p:spTree>
     <p:extLst>
       <p:ext uri="{BB962C8B-B14F-4D97-AF65-F5344CB8AC3E}">
-        <p14:creationId xmlns:p14="http://schemas.microsoft.com/office/powerpoint/2010/main" val="2725425123"/>
+        <p14:creationId xmlns:p14="http://schemas.microsoft.com/office/powerpoint/2010/main" val="3604477583"/>
       </p:ext>
     </p:extLst>
   </p:cSld>
@@ -2046,7 +2046,7 @@
           <p:cNvPr id="2" name="日期占位符 1">
             <a:extLst>
               <a:ext uri="{FF2B5EF4-FFF2-40B4-BE49-F238E27FC236}">
-                <a16:creationId xmlns:a16="http://schemas.microsoft.com/office/drawing/2014/main" id="{ECADC9B3-830C-79B0-1DB5-2ECDBB397CC3}"/>
+                <a16:creationId xmlns:a16="http://schemas.microsoft.com/office/drawing/2014/main" id="{D33CD365-F75E-A0E1-8766-D4F91EDE2B32}"/>
               </a:ext>
             </a:extLst>
           </p:cNvPr>
@@ -2062,7 +2062,7 @@
           <a:bodyPr/>
           <a:lstStyle/>
           <a:p>
-            <a:fld id="{B8E817C8-E67A-40DB-83DF-CC8B0C28A045}" type="datetimeFigureOut">
+            <a:fld id="{41EB4362-4910-43F8-972A-04340F1615B3}" type="datetimeFigureOut">
               <a:rPr lang="zh-CN" altLang="en-US" smtClean="0"/>
               <a:t>2024/3/10</a:t>
             </a:fld>
@@ -2075,7 +2075,7 @@
           <p:cNvPr id="3" name="页脚占位符 2">
             <a:extLst>
               <a:ext uri="{FF2B5EF4-FFF2-40B4-BE49-F238E27FC236}">
-                <a16:creationId xmlns:a16="http://schemas.microsoft.com/office/drawing/2014/main" id="{E6A6FA29-B2A5-5CE5-4C40-0E52063600A5}"/>
+                <a16:creationId xmlns:a16="http://schemas.microsoft.com/office/drawing/2014/main" id="{C0F7011E-0206-FA4A-0EAC-68E835EBC518}"/>
               </a:ext>
             </a:extLst>
           </p:cNvPr>
@@ -2100,7 +2100,7 @@
           <p:cNvPr id="4" name="灯片编号占位符 3">
             <a:extLst>
               <a:ext uri="{FF2B5EF4-FFF2-40B4-BE49-F238E27FC236}">
-                <a16:creationId xmlns:a16="http://schemas.microsoft.com/office/drawing/2014/main" id="{EB7C5E8F-2BE7-760E-C7FE-CAEC316BC1DC}"/>
+                <a16:creationId xmlns:a16="http://schemas.microsoft.com/office/drawing/2014/main" id="{1F9BD533-F545-BC9C-14FD-CDCC558C6A3C}"/>
               </a:ext>
             </a:extLst>
           </p:cNvPr>
@@ -2116,7 +2116,7 @@
           <a:bodyPr/>
           <a:lstStyle/>
           <a:p>
-            <a:fld id="{C3B4ECF3-0565-40DD-A0B6-CC758B6C4532}" type="slidenum">
+            <a:fld id="{323C9697-9A9D-4121-9ADA-B487949BF27A}" type="slidenum">
               <a:rPr lang="zh-CN" altLang="en-US" smtClean="0"/>
               <a:t>‹#›</a:t>
             </a:fld>
@@ -2127,7 +2127,7 @@
     </p:spTree>
     <p:extLst>
       <p:ext uri="{BB962C8B-B14F-4D97-AF65-F5344CB8AC3E}">
-        <p14:creationId xmlns:p14="http://schemas.microsoft.com/office/powerpoint/2010/main" val="1594771180"/>
+        <p14:creationId xmlns:p14="http://schemas.microsoft.com/office/powerpoint/2010/main" val="3377180595"/>
       </p:ext>
     </p:extLst>
   </p:cSld>
@@ -2159,7 +2159,7 @@
           <p:cNvPr id="2" name="标题 1">
             <a:extLst>
               <a:ext uri="{FF2B5EF4-FFF2-40B4-BE49-F238E27FC236}">
-                <a16:creationId xmlns:a16="http://schemas.microsoft.com/office/drawing/2014/main" id="{D7452962-149D-B3BF-2353-384B8FD21B71}"/>
+                <a16:creationId xmlns:a16="http://schemas.microsoft.com/office/drawing/2014/main" id="{329A6229-B108-CB59-03DC-1464A249C29B}"/>
               </a:ext>
             </a:extLst>
           </p:cNvPr>
@@ -2196,7 +2196,7 @@
           <p:cNvPr id="3" name="内容占位符 2">
             <a:extLst>
               <a:ext uri="{FF2B5EF4-FFF2-40B4-BE49-F238E27FC236}">
-                <a16:creationId xmlns:a16="http://schemas.microsoft.com/office/drawing/2014/main" id="{5E1E77DF-C201-3247-2F6D-5F5FFCB8FAAC}"/>
+                <a16:creationId xmlns:a16="http://schemas.microsoft.com/office/drawing/2014/main" id="{25E6133C-E8EC-701E-6EB7-1AC89822A35F}"/>
               </a:ext>
             </a:extLst>
           </p:cNvPr>
@@ -2286,7 +2286,7 @@
           <p:cNvPr id="4" name="文本占位符 3">
             <a:extLst>
               <a:ext uri="{FF2B5EF4-FFF2-40B4-BE49-F238E27FC236}">
-                <a16:creationId xmlns:a16="http://schemas.microsoft.com/office/drawing/2014/main" id="{38429D68-E709-5E12-F115-854AFBB3B2F9}"/>
+                <a16:creationId xmlns:a16="http://schemas.microsoft.com/office/drawing/2014/main" id="{E2E73B6E-D1DC-D8A4-B24C-AE3BEB63DC8E}"/>
               </a:ext>
             </a:extLst>
           </p:cNvPr>
@@ -2357,7 +2357,7 @@
           <p:cNvPr id="5" name="日期占位符 4">
             <a:extLst>
               <a:ext uri="{FF2B5EF4-FFF2-40B4-BE49-F238E27FC236}">
-                <a16:creationId xmlns:a16="http://schemas.microsoft.com/office/drawing/2014/main" id="{15F778D9-B109-382A-4A30-1DD2896FCE14}"/>
+                <a16:creationId xmlns:a16="http://schemas.microsoft.com/office/drawing/2014/main" id="{DE2BD2B4-226C-5F30-9F68-C560B802188C}"/>
               </a:ext>
             </a:extLst>
           </p:cNvPr>
@@ -2373,7 +2373,7 @@
           <a:bodyPr/>
           <a:lstStyle/>
           <a:p>
-            <a:fld id="{B8E817C8-E67A-40DB-83DF-CC8B0C28A045}" type="datetimeFigureOut">
+            <a:fld id="{41EB4362-4910-43F8-972A-04340F1615B3}" type="datetimeFigureOut">
               <a:rPr lang="zh-CN" altLang="en-US" smtClean="0"/>
               <a:t>2024/3/10</a:t>
             </a:fld>
@@ -2386,7 +2386,7 @@
           <p:cNvPr id="6" name="页脚占位符 5">
             <a:extLst>
               <a:ext uri="{FF2B5EF4-FFF2-40B4-BE49-F238E27FC236}">
-                <a16:creationId xmlns:a16="http://schemas.microsoft.com/office/drawing/2014/main" id="{5C48AE07-8E37-9C34-6E51-01D413E3341C}"/>
+                <a16:creationId xmlns:a16="http://schemas.microsoft.com/office/drawing/2014/main" id="{3D102938-E3F1-AB26-37A6-93B7E134A1DF}"/>
               </a:ext>
             </a:extLst>
           </p:cNvPr>
@@ -2411,7 +2411,7 @@
           <p:cNvPr id="7" name="灯片编号占位符 6">
             <a:extLst>
               <a:ext uri="{FF2B5EF4-FFF2-40B4-BE49-F238E27FC236}">
-                <a16:creationId xmlns:a16="http://schemas.microsoft.com/office/drawing/2014/main" id="{86306F1E-1EBF-A1B2-9786-25319A75FB6E}"/>
+                <a16:creationId xmlns:a16="http://schemas.microsoft.com/office/drawing/2014/main" id="{C4ED218D-614F-F9EA-4999-33B96B5ECD9D}"/>
               </a:ext>
             </a:extLst>
           </p:cNvPr>
@@ -2427,7 +2427,7 @@
           <a:bodyPr/>
           <a:lstStyle/>
           <a:p>
-            <a:fld id="{C3B4ECF3-0565-40DD-A0B6-CC758B6C4532}" type="slidenum">
+            <a:fld id="{323C9697-9A9D-4121-9ADA-B487949BF27A}" type="slidenum">
               <a:rPr lang="zh-CN" altLang="en-US" smtClean="0"/>
               <a:t>‹#›</a:t>
             </a:fld>
@@ -2438,7 +2438,7 @@
     </p:spTree>
     <p:extLst>
       <p:ext uri="{BB962C8B-B14F-4D97-AF65-F5344CB8AC3E}">
-        <p14:creationId xmlns:p14="http://schemas.microsoft.com/office/powerpoint/2010/main" val="4226947918"/>
+        <p14:creationId xmlns:p14="http://schemas.microsoft.com/office/powerpoint/2010/main" val="4106185414"/>
       </p:ext>
     </p:extLst>
   </p:cSld>
@@ -2470,7 +2470,7 @@
           <p:cNvPr id="2" name="标题 1">
             <a:extLst>
               <a:ext uri="{FF2B5EF4-FFF2-40B4-BE49-F238E27FC236}">
-                <a16:creationId xmlns:a16="http://schemas.microsoft.com/office/drawing/2014/main" id="{F1A371A7-CB73-CF59-4004-16F983810864}"/>
+                <a16:creationId xmlns:a16="http://schemas.microsoft.com/office/drawing/2014/main" id="{4F242D01-CB0F-3CBE-1274-C3547B8B8265}"/>
               </a:ext>
             </a:extLst>
           </p:cNvPr>
@@ -2507,7 +2507,7 @@
           <p:cNvPr id="3" name="图片占位符 2">
             <a:extLst>
               <a:ext uri="{FF2B5EF4-FFF2-40B4-BE49-F238E27FC236}">
-                <a16:creationId xmlns:a16="http://schemas.microsoft.com/office/drawing/2014/main" id="{48CB5449-2D51-74C5-6BE1-94C870215C5F}"/>
+                <a16:creationId xmlns:a16="http://schemas.microsoft.com/office/drawing/2014/main" id="{7F2F2F8D-ABCE-6543-6E64-1CFCCC25B956}"/>
               </a:ext>
             </a:extLst>
           </p:cNvPr>
@@ -2574,7 +2574,7 @@
           <p:cNvPr id="4" name="文本占位符 3">
             <a:extLst>
               <a:ext uri="{FF2B5EF4-FFF2-40B4-BE49-F238E27FC236}">
-                <a16:creationId xmlns:a16="http://schemas.microsoft.com/office/drawing/2014/main" id="{D5D19292-F04A-FE10-F4D2-7E4D7FC6B8DE}"/>
+                <a16:creationId xmlns:a16="http://schemas.microsoft.com/office/drawing/2014/main" id="{C482B0BF-1AD7-44DB-1E6D-2FB431C22899}"/>
               </a:ext>
             </a:extLst>
           </p:cNvPr>
@@ -2645,7 +2645,7 @@
           <p:cNvPr id="5" name="日期占位符 4">
             <a:extLst>
               <a:ext uri="{FF2B5EF4-FFF2-40B4-BE49-F238E27FC236}">
-                <a16:creationId xmlns:a16="http://schemas.microsoft.com/office/drawing/2014/main" id="{2D1B83DF-A574-BF4D-5414-A3451525E033}"/>
+                <a16:creationId xmlns:a16="http://schemas.microsoft.com/office/drawing/2014/main" id="{78E66F22-0837-4246-C6C3-D8C54404E322}"/>
               </a:ext>
             </a:extLst>
           </p:cNvPr>
@@ -2661,7 +2661,7 @@
           <a:bodyPr/>
           <a:lstStyle/>
           <a:p>
-            <a:fld id="{B8E817C8-E67A-40DB-83DF-CC8B0C28A045}" type="datetimeFigureOut">
+            <a:fld id="{41EB4362-4910-43F8-972A-04340F1615B3}" type="datetimeFigureOut">
               <a:rPr lang="zh-CN" altLang="en-US" smtClean="0"/>
               <a:t>2024/3/10</a:t>
             </a:fld>
@@ -2674,7 +2674,7 @@
           <p:cNvPr id="6" name="页脚占位符 5">
             <a:extLst>
               <a:ext uri="{FF2B5EF4-FFF2-40B4-BE49-F238E27FC236}">
-                <a16:creationId xmlns:a16="http://schemas.microsoft.com/office/drawing/2014/main" id="{2FFE6FD2-0CD6-667F-2DF6-97D17EC19F9E}"/>
+                <a16:creationId xmlns:a16="http://schemas.microsoft.com/office/drawing/2014/main" id="{AFF50781-EC65-90D4-1C0C-0D5468A3408F}"/>
               </a:ext>
             </a:extLst>
           </p:cNvPr>
@@ -2699,7 +2699,7 @@
           <p:cNvPr id="7" name="灯片编号占位符 6">
             <a:extLst>
               <a:ext uri="{FF2B5EF4-FFF2-40B4-BE49-F238E27FC236}">
-                <a16:creationId xmlns:a16="http://schemas.microsoft.com/office/drawing/2014/main" id="{20BE0149-9E64-C598-A09E-4A36DCEBA25F}"/>
+                <a16:creationId xmlns:a16="http://schemas.microsoft.com/office/drawing/2014/main" id="{E78BBFD3-E7F2-74DE-CC16-8DED1B279D17}"/>
               </a:ext>
             </a:extLst>
           </p:cNvPr>
@@ -2715,7 +2715,7 @@
           <a:bodyPr/>
           <a:lstStyle/>
           <a:p>
-            <a:fld id="{C3B4ECF3-0565-40DD-A0B6-CC758B6C4532}" type="slidenum">
+            <a:fld id="{323C9697-9A9D-4121-9ADA-B487949BF27A}" type="slidenum">
               <a:rPr lang="zh-CN" altLang="en-US" smtClean="0"/>
               <a:t>‹#›</a:t>
             </a:fld>
@@ -2726,7 +2726,7 @@
     </p:spTree>
     <p:extLst>
       <p:ext uri="{BB962C8B-B14F-4D97-AF65-F5344CB8AC3E}">
-        <p14:creationId xmlns:p14="http://schemas.microsoft.com/office/powerpoint/2010/main" val="4127653978"/>
+        <p14:creationId xmlns:p14="http://schemas.microsoft.com/office/powerpoint/2010/main" val="3586329895"/>
       </p:ext>
     </p:extLst>
   </p:cSld>
@@ -2763,7 +2763,7 @@
           <p:cNvPr id="2" name="标题占位符 1">
             <a:extLst>
               <a:ext uri="{FF2B5EF4-FFF2-40B4-BE49-F238E27FC236}">
-                <a16:creationId xmlns:a16="http://schemas.microsoft.com/office/drawing/2014/main" id="{1B2195AB-9FED-EA9F-F0E3-E85AA7497748}"/>
+                <a16:creationId xmlns:a16="http://schemas.microsoft.com/office/drawing/2014/main" id="{0CF02F0E-D5E1-4C48-CAA4-4012C6284F38}"/>
               </a:ext>
             </a:extLst>
           </p:cNvPr>
@@ -2801,7 +2801,7 @@
           <p:cNvPr id="3" name="文本占位符 2">
             <a:extLst>
               <a:ext uri="{FF2B5EF4-FFF2-40B4-BE49-F238E27FC236}">
-                <a16:creationId xmlns:a16="http://schemas.microsoft.com/office/drawing/2014/main" id="{7B5C17FD-9538-967B-1FF3-72E00F7063AD}"/>
+                <a16:creationId xmlns:a16="http://schemas.microsoft.com/office/drawing/2014/main" id="{CB5AF48F-CEA4-5007-272A-195B052B1476}"/>
               </a:ext>
             </a:extLst>
           </p:cNvPr>
@@ -2868,7 +2868,7 @@
           <p:cNvPr id="4" name="日期占位符 3">
             <a:extLst>
               <a:ext uri="{FF2B5EF4-FFF2-40B4-BE49-F238E27FC236}">
-                <a16:creationId xmlns:a16="http://schemas.microsoft.com/office/drawing/2014/main" id="{CD6ACDF5-79F5-6FFE-7F26-F12DBAD33FB4}"/>
+                <a16:creationId xmlns:a16="http://schemas.microsoft.com/office/drawing/2014/main" id="{A624C24D-398B-CFBE-73A1-99A2CBFF701D}"/>
               </a:ext>
             </a:extLst>
           </p:cNvPr>
@@ -2902,7 +2902,7 @@
             </a:lvl1pPr>
           </a:lstStyle>
           <a:p>
-            <a:fld id="{B8E817C8-E67A-40DB-83DF-CC8B0C28A045}" type="datetimeFigureOut">
+            <a:fld id="{41EB4362-4910-43F8-972A-04340F1615B3}" type="datetimeFigureOut">
               <a:rPr lang="zh-CN" altLang="en-US" smtClean="0"/>
               <a:t>2024/3/10</a:t>
             </a:fld>
@@ -2915,7 +2915,7 @@
           <p:cNvPr id="5" name="页脚占位符 4">
             <a:extLst>
               <a:ext uri="{FF2B5EF4-FFF2-40B4-BE49-F238E27FC236}">
-                <a16:creationId xmlns:a16="http://schemas.microsoft.com/office/drawing/2014/main" id="{C4F8B02D-9E20-C57F-E5BF-B0D6969D2F7E}"/>
+                <a16:creationId xmlns:a16="http://schemas.microsoft.com/office/drawing/2014/main" id="{EDC747BD-3D55-649F-0789-8F84736058F8}"/>
               </a:ext>
             </a:extLst>
           </p:cNvPr>
@@ -2958,7 +2958,7 @@
           <p:cNvPr id="6" name="灯片编号占位符 5">
             <a:extLst>
               <a:ext uri="{FF2B5EF4-FFF2-40B4-BE49-F238E27FC236}">
-                <a16:creationId xmlns:a16="http://schemas.microsoft.com/office/drawing/2014/main" id="{3A3BDBBD-B516-8844-13D5-F9A6A64AD3A1}"/>
+                <a16:creationId xmlns:a16="http://schemas.microsoft.com/office/drawing/2014/main" id="{B02EE6CF-3D39-80E9-CD8B-29A7467D1242}"/>
               </a:ext>
             </a:extLst>
           </p:cNvPr>
@@ -2992,7 +2992,7 @@
             </a:lvl1pPr>
           </a:lstStyle>
           <a:p>
-            <a:fld id="{C3B4ECF3-0565-40DD-A0B6-CC758B6C4532}" type="slidenum">
+            <a:fld id="{323C9697-9A9D-4121-9ADA-B487949BF27A}" type="slidenum">
               <a:rPr lang="zh-CN" altLang="en-US" smtClean="0"/>
               <a:t>‹#›</a:t>
             </a:fld>
@@ -3003,7 +3003,7 @@
     </p:spTree>
     <p:extLst>
       <p:ext uri="{BB962C8B-B14F-4D97-AF65-F5344CB8AC3E}">
-        <p14:creationId xmlns:p14="http://schemas.microsoft.com/office/powerpoint/2010/main" val="558641299"/>
+        <p14:creationId xmlns:p14="http://schemas.microsoft.com/office/powerpoint/2010/main" val="3688517083"/>
       </p:ext>
     </p:extLst>
   </p:cSld>
@@ -3323,7 +3323,7 @@
       </p:grpSpPr>
       <p:pic>
         <p:nvPicPr>
-          <p:cNvPr id="702466" name="Picture 2" descr="685"/>
+          <p:cNvPr id="703490" name="Picture 2" descr="686"/>
           <p:cNvPicPr>
             <a:picLocks noChangeAspect="1" noChangeArrowheads="1"/>
           </p:cNvPicPr>
@@ -3375,11 +3375,158 @@
           </a:extLst>
         </p:spPr>
       </p:pic>
+      <p:pic>
+        <p:nvPicPr>
+          <p:cNvPr id="704515" name="Picture 3" descr="686-2"/>
+          <p:cNvPicPr>
+            <a:picLocks noChangeAspect="1" noChangeArrowheads="1"/>
+          </p:cNvPicPr>
+          <p:nvPr/>
+        </p:nvPicPr>
+        <p:blipFill>
+          <a:blip r:embed="rId3">
+            <a:extLst>
+              <a:ext uri="{28A0092B-C50C-407E-A947-70E740481C1C}">
+                <a14:useLocalDpi xmlns:a14="http://schemas.microsoft.com/office/drawing/2010/main" val="0"/>
+              </a:ext>
+            </a:extLst>
+          </a:blip>
+          <a:srcRect/>
+          <a:stretch>
+            <a:fillRect/>
+          </a:stretch>
+        </p:blipFill>
+        <p:spPr bwMode="auto">
+          <a:xfrm>
+            <a:off x="1524000" y="0"/>
+            <a:ext cx="9144000" cy="6858000"/>
+          </a:xfrm>
+          <a:prstGeom prst="rect">
+            <a:avLst/>
+          </a:prstGeom>
+          <a:noFill/>
+          <a:ln>
+            <a:noFill/>
+          </a:ln>
+          <a:effectLst/>
+          <a:extLst>
+            <a:ext uri="{909E8E84-426E-40DD-AFC4-6F175D3DCCD1}">
+              <a14:hiddenFill xmlns:a14="http://schemas.microsoft.com/office/drawing/2010/main">
+                <a:solidFill>
+                  <a:srgbClr val="FFFFFF"/>
+                </a:solidFill>
+              </a14:hiddenFill>
+            </a:ext>
+            <a:ext uri="{91240B29-F687-4F45-9708-019B960494DF}">
+              <a14:hiddenLine xmlns:a14="http://schemas.microsoft.com/office/drawing/2010/main" w="9525">
+                <a:solidFill>
+                  <a:srgbClr val="000000"/>
+                </a:solidFill>
+                <a:miter lim="800000"/>
+                <a:headEnd/>
+                <a:tailEnd/>
+              </a14:hiddenLine>
+            </a:ext>
+            <a:ext uri="{AF507438-7753-43E0-B8FC-AC1667EBCBE1}">
+              <a14:hiddenEffects xmlns:a14="http://schemas.microsoft.com/office/drawing/2010/main">
+                <a:effectLst>
+                  <a:outerShdw dist="35921" dir="2700000" algn="ctr" rotWithShape="0">
+                    <a:srgbClr val="808080"/>
+                  </a:outerShdw>
+                </a:effectLst>
+              </a14:hiddenEffects>
+            </a:ext>
+          </a:extLst>
+        </p:spPr>
+      </p:pic>
     </p:spTree>
   </p:cSld>
   <p:clrMapOvr>
     <a:masterClrMapping/>
   </p:clrMapOvr>
+  <p:timing>
+    <p:tnLst>
+      <p:par>
+        <p:cTn id="1" dur="indefinite" restart="never" nodeType="tmRoot">
+          <p:childTnLst>
+            <p:seq concurrent="1" nextAc="seek">
+              <p:cTn id="2" dur="indefinite" nodeType="mainSeq">
+                <p:childTnLst>
+                  <p:par>
+                    <p:cTn id="3" fill="hold" nodeType="clickPar">
+                      <p:stCondLst>
+                        <p:cond delay="indefinite"/>
+                      </p:stCondLst>
+                      <p:childTnLst>
+                        <p:par>
+                          <p:cTn id="4" fill="hold" nodeType="withGroup">
+                            <p:stCondLst>
+                              <p:cond delay="0"/>
+                            </p:stCondLst>
+                            <p:childTnLst>
+                              <p:par>
+                                <p:cTn id="5" presetID="10" presetClass="entr" presetSubtype="0" fill="hold" nodeType="clickEffect">
+                                  <p:stCondLst>
+                                    <p:cond delay="0"/>
+                                  </p:stCondLst>
+                                  <p:childTnLst>
+                                    <p:set>
+                                      <p:cBhvr>
+                                        <p:cTn id="6" dur="1" fill="hold">
+                                          <p:stCondLst>
+                                            <p:cond delay="0"/>
+                                          </p:stCondLst>
+                                        </p:cTn>
+                                        <p:tgtEl>
+                                          <p:spTgt spid="704515"/>
+                                        </p:tgtEl>
+                                        <p:attrNameLst>
+                                          <p:attrName>style.visibility</p:attrName>
+                                        </p:attrNameLst>
+                                      </p:cBhvr>
+                                      <p:to>
+                                        <p:strVal val="visible"/>
+                                      </p:to>
+                                    </p:set>
+                                    <p:animEffect transition="in" filter="fade">
+                                      <p:cBhvr>
+                                        <p:cTn id="7" dur="500"/>
+                                        <p:tgtEl>
+                                          <p:spTgt spid="704515"/>
+                                        </p:tgtEl>
+                                      </p:cBhvr>
+                                    </p:animEffect>
+                                  </p:childTnLst>
+                                </p:cTn>
+                              </p:par>
+                            </p:childTnLst>
+                          </p:cTn>
+                        </p:par>
+                      </p:childTnLst>
+                    </p:cTn>
+                  </p:par>
+                </p:childTnLst>
+              </p:cTn>
+              <p:prevCondLst>
+                <p:cond evt="onPrev" delay="0">
+                  <p:tgtEl>
+                    <p:sldTgt/>
+                  </p:tgtEl>
+                </p:cond>
+              </p:prevCondLst>
+              <p:nextCondLst>
+                <p:cond evt="onNext" delay="0">
+                  <p:tgtEl>
+                    <p:sldTgt/>
+                  </p:tgtEl>
+                </p:cond>
+              </p:nextCondLst>
+            </p:seq>
+          </p:childTnLst>
+        </p:cTn>
+      </p:par>
+    </p:tnLst>
+  </p:timing>
 </p:sld>
 </file>
 
